--- a/Conexão com Banco de Dados.pptx
+++ b/Conexão com Banco de Dados.pptx
@@ -13,8 +13,9 @@
     <p:sldId id="261" r:id="rId7"/>
     <p:sldId id="262" r:id="rId8"/>
     <p:sldId id="263" r:id="rId9"/>
-    <p:sldId id="264" r:id="rId10"/>
-    <p:sldId id="265" r:id="rId11"/>
+    <p:sldId id="266" r:id="rId10"/>
+    <p:sldId id="264" r:id="rId11"/>
+    <p:sldId id="265" r:id="rId12"/>
   </p:sldIdLst>
   <p:sldSz cx="12192000" cy="6858000"/>
   <p:notesSz cx="6858000" cy="9144000"/>
@@ -113,6 +114,11 @@
       </a:defRPr>
     </a:lvl9pPr>
   </p:defaultTextStyle>
+  <p:extLst>
+    <p:ext uri="{EFAFB233-063F-42B5-8137-9DF3F51BA10A}">
+      <p15:sldGuideLst xmlns:p15="http://schemas.microsoft.com/office/powerpoint/2012/main"/>
+    </p:ext>
+  </p:extLst>
 </p:presentation>
 </file>
 
@@ -5887,6 +5893,67 @@
             <a:spLocks noGrp="1"/>
           </p:cNvSpPr>
           <p:nvPr>
+            <p:ph type="title"/>
+          </p:nvPr>
+        </p:nvSpPr>
+        <p:spPr>
+          <a:xfrm>
+            <a:off x="960669" y="2811887"/>
+            <a:ext cx="8596668" cy="1320800"/>
+          </a:xfrm>
+        </p:spPr>
+        <p:txBody>
+          <a:bodyPr>
+            <a:normAutofit/>
+          </a:bodyPr>
+          <a:lstStyle/>
+          <a:p>
+            <a:pPr algn="ctr"/>
+            <a:r>
+              <a:rPr lang="pt-BR" sz="4400" dirty="0" smtClean="0"/>
+              <a:t>Dúvidas?</a:t>
+            </a:r>
+            <a:endParaRPr lang="pt-BR" sz="4400" dirty="0"/>
+          </a:p>
+        </p:txBody>
+      </p:sp>
+    </p:spTree>
+    <p:extLst>
+      <p:ext uri="{BB962C8B-B14F-4D97-AF65-F5344CB8AC3E}">
+        <p14:creationId xmlns:p14="http://schemas.microsoft.com/office/powerpoint/2010/main" val="940415241"/>
+      </p:ext>
+    </p:extLst>
+  </p:cSld>
+  <p:clrMapOvr>
+    <a:masterClrMapping/>
+  </p:clrMapOvr>
+</p:sld>
+</file>
+
+<file path=ppt/slides/slide11.xml><?xml version="1.0" encoding="utf-8"?>
+<p:sld xmlns:a="http://schemas.openxmlformats.org/drawingml/2006/main" xmlns:r="http://schemas.openxmlformats.org/officeDocument/2006/relationships" xmlns:p="http://schemas.openxmlformats.org/presentationml/2006/main">
+  <p:cSld>
+    <p:spTree>
+      <p:nvGrpSpPr>
+        <p:cNvPr id="1" name=""/>
+        <p:cNvGrpSpPr/>
+        <p:nvPr/>
+      </p:nvGrpSpPr>
+      <p:grpSpPr>
+        <a:xfrm>
+          <a:off x="0" y="0"/>
+          <a:ext cx="0" cy="0"/>
+          <a:chOff x="0" y="0"/>
+          <a:chExt cx="0" cy="0"/>
+        </a:xfrm>
+      </p:grpSpPr>
+      <p:sp>
+        <p:nvSpPr>
+          <p:cNvPr id="2" name="Título 1"/>
+          <p:cNvSpPr>
+            <a:spLocks noGrp="1"/>
+          </p:cNvSpPr>
+          <p:nvPr>
             <p:ph type="ctrTitle"/>
           </p:nvPr>
         </p:nvSpPr>
@@ -9034,31 +9101,91 @@
             <p:ph type="title"/>
           </p:nvPr>
         </p:nvSpPr>
+        <p:spPr/>
+        <p:txBody>
+          <a:bodyPr/>
+          <a:lstStyle/>
+          <a:p>
+            <a:r>
+              <a:rPr lang="pt-BR" dirty="0" smtClean="0"/>
+              <a:t>GitHub</a:t>
+            </a:r>
+            <a:br>
+              <a:rPr lang="pt-BR" dirty="0" smtClean="0"/>
+            </a:br>
+            <a:endParaRPr lang="pt-BR" dirty="0"/>
+          </a:p>
+        </p:txBody>
+      </p:sp>
+      <p:sp>
+        <p:nvSpPr>
+          <p:cNvPr id="4" name="Retângulo 3"/>
+          <p:cNvSpPr/>
+          <p:nvPr/>
+        </p:nvSpPr>
         <p:spPr>
           <a:xfrm>
-            <a:off x="960669" y="2811887"/>
-            <a:ext cx="8596668" cy="1320800"/>
+            <a:off x="677334" y="1930400"/>
+            <a:ext cx="9496975" cy="461665"/>
           </a:xfrm>
+          <a:prstGeom prst="rect">
+            <a:avLst/>
+          </a:prstGeom>
         </p:spPr>
         <p:txBody>
-          <a:bodyPr>
-            <a:normAutofit/>
+          <a:bodyPr wrap="square">
+            <a:spAutoFit/>
           </a:bodyPr>
           <a:lstStyle/>
           <a:p>
-            <a:pPr algn="ctr"/>
-            <a:r>
-              <a:rPr lang="pt-BR" sz="4400" dirty="0" smtClean="0"/>
-              <a:t>Dúvidas?</a:t>
-            </a:r>
-            <a:endParaRPr lang="pt-BR" sz="4400" dirty="0"/>
+            <a:r>
+              <a:rPr lang="pt-BR" sz="2400" dirty="0"/>
+              <a:t>https://github.com/LucasMacedo/ConexaoBancoMysql_Java.git</a:t>
+            </a:r>
+          </a:p>
+        </p:txBody>
+      </p:sp>
+      <p:sp>
+        <p:nvSpPr>
+          <p:cNvPr id="3" name="Retângulo 2"/>
+          <p:cNvSpPr/>
+          <p:nvPr/>
+        </p:nvSpPr>
+        <p:spPr>
+          <a:xfrm>
+            <a:off x="677334" y="3105835"/>
+            <a:ext cx="8466666" cy="461665"/>
+          </a:xfrm>
+          <a:prstGeom prst="rect">
+            <a:avLst/>
+          </a:prstGeom>
+        </p:spPr>
+        <p:txBody>
+          <a:bodyPr wrap="square">
+            <a:spAutoFit/>
+          </a:bodyPr>
+          <a:lstStyle/>
+          <a:p>
+            <a:r>
+              <a:rPr lang="pt-BR" sz="2400" dirty="0" err="1"/>
+              <a:t>git@github.com:LucasMacedo</a:t>
+            </a:r>
+            <a:r>
+              <a:rPr lang="pt-BR" sz="2400" dirty="0"/>
+              <a:t>/</a:t>
+            </a:r>
+            <a:r>
+              <a:rPr lang="pt-BR" sz="2400" dirty="0" err="1"/>
+              <a:t>ConexaoBancoMysql_Java.git</a:t>
+            </a:r>
+            <a:endParaRPr lang="pt-BR" sz="2400" dirty="0"/>
           </a:p>
         </p:txBody>
       </p:sp>
     </p:spTree>
     <p:extLst>
       <p:ext uri="{BB962C8B-B14F-4D97-AF65-F5344CB8AC3E}">
-        <p14:creationId xmlns:p14="http://schemas.microsoft.com/office/powerpoint/2010/main" val="940415241"/>
+        <p14:creationId xmlns:p14="http://schemas.microsoft.com/office/powerpoint/2010/main" val="505469040"/>
       </p:ext>
     </p:extLst>
   </p:cSld>
